--- a/kubernetes/08_ingress.pptx
+++ b/kubernetes/08_ingress.pptx
@@ -3743,7 +3743,7 @@
         <p:spPr/>
         <p:txBody>
           <a:bodyPr>
-            <a:normAutofit lnSpcReduction="10000"/>
+            <a:normAutofit fontScale="85000" lnSpcReduction="20000"/>
           </a:bodyPr>
           <a:lstStyle/>
           <a:p>
@@ -20326,10 +20326,10 @@
       </p:sp>
       <p:pic>
         <p:nvPicPr>
-          <p:cNvPr id="4" name="Picture 3">
+          <p:cNvPr id="5" name="Picture 4">
             <a:extLst>
               <a:ext uri="{FF2B5EF4-FFF2-40B4-BE49-F238E27FC236}">
-                <a16:creationId xmlns:a16="http://schemas.microsoft.com/office/drawing/2014/main" id="{71E42147-330D-42C7-984A-1A4093DF47FE}"/>
+                <a16:creationId xmlns:a16="http://schemas.microsoft.com/office/drawing/2014/main" id="{41898D19-20AB-4D49-9531-92309164D9C9}"/>
               </a:ext>
             </a:extLst>
           </p:cNvPr>
@@ -20346,8 +20346,8 @@
         </p:blipFill>
         <p:spPr>
           <a:xfrm>
-            <a:off x="504001" y="1085323"/>
-            <a:ext cx="8259821" cy="4615282"/>
+            <a:off x="504001" y="992308"/>
+            <a:ext cx="8710274" cy="4801311"/>
           </a:xfrm>
           <a:prstGeom prst="rect">
             <a:avLst/>

--- a/kubernetes/08_ingress.pptx
+++ b/kubernetes/08_ingress.pptx
@@ -21769,6 +21769,66 @@
           <a:chExt cx="0" cy="0"/>
         </a:xfrm>
       </p:grpSpPr>
+      <p:pic>
+        <p:nvPicPr>
+          <p:cNvPr id="10" name="Picture 9">
+            <a:extLst>
+              <a:ext uri="{FF2B5EF4-FFF2-40B4-BE49-F238E27FC236}">
+                <a16:creationId xmlns:a16="http://schemas.microsoft.com/office/drawing/2014/main" id="{5F486A8E-D3C4-4635-872A-36BC6C98C89F}"/>
+              </a:ext>
+            </a:extLst>
+          </p:cNvPr>
+          <p:cNvPicPr>
+            <a:picLocks noChangeAspect="1"/>
+          </p:cNvPicPr>
+          <p:nvPr/>
+        </p:nvPicPr>
+        <p:blipFill>
+          <a:blip r:embed="rId2"/>
+          <a:stretch>
+            <a:fillRect/>
+          </a:stretch>
+        </p:blipFill>
+        <p:spPr>
+          <a:xfrm>
+            <a:off x="8157670" y="2202547"/>
+            <a:ext cx="3352381" cy="2504762"/>
+          </a:xfrm>
+          <a:prstGeom prst="rect">
+            <a:avLst/>
+          </a:prstGeom>
+        </p:spPr>
+      </p:pic>
+      <p:pic>
+        <p:nvPicPr>
+          <p:cNvPr id="2" name="Picture 1">
+            <a:extLst>
+              <a:ext uri="{FF2B5EF4-FFF2-40B4-BE49-F238E27FC236}">
+                <a16:creationId xmlns:a16="http://schemas.microsoft.com/office/drawing/2014/main" id="{FECEE425-8037-405B-9166-E619DC0F3E1B}"/>
+              </a:ext>
+            </a:extLst>
+          </p:cNvPr>
+          <p:cNvPicPr>
+            <a:picLocks noChangeAspect="1"/>
+          </p:cNvPicPr>
+          <p:nvPr/>
+        </p:nvPicPr>
+        <p:blipFill>
+          <a:blip r:embed="rId3"/>
+          <a:stretch>
+            <a:fillRect/>
+          </a:stretch>
+        </p:blipFill>
+        <p:spPr>
+          <a:xfrm>
+            <a:off x="504001" y="1056781"/>
+            <a:ext cx="2796385" cy="5387153"/>
+          </a:xfrm>
+          <a:prstGeom prst="rect">
+            <a:avLst/>
+          </a:prstGeom>
+        </p:spPr>
+      </p:pic>
       <p:sp>
         <p:nvSpPr>
           <p:cNvPr id="3" name="Title 2">
@@ -21797,66 +21857,6 @@
           </a:p>
         </p:txBody>
       </p:sp>
-      <p:pic>
-        <p:nvPicPr>
-          <p:cNvPr id="4" name="Picture 3">
-            <a:extLst>
-              <a:ext uri="{FF2B5EF4-FFF2-40B4-BE49-F238E27FC236}">
-                <a16:creationId xmlns:a16="http://schemas.microsoft.com/office/drawing/2014/main" id="{6D56E09A-8304-4587-AFFD-4D76CD57A011}"/>
-              </a:ext>
-            </a:extLst>
-          </p:cNvPr>
-          <p:cNvPicPr>
-            <a:picLocks noChangeAspect="1"/>
-          </p:cNvPicPr>
-          <p:nvPr/>
-        </p:nvPicPr>
-        <p:blipFill>
-          <a:blip r:embed="rId2"/>
-          <a:stretch>
-            <a:fillRect/>
-          </a:stretch>
-        </p:blipFill>
-        <p:spPr>
-          <a:xfrm>
-            <a:off x="8047942" y="2423730"/>
-            <a:ext cx="3304762" cy="2380952"/>
-          </a:xfrm>
-          <a:prstGeom prst="rect">
-            <a:avLst/>
-          </a:prstGeom>
-        </p:spPr>
-      </p:pic>
-      <p:pic>
-        <p:nvPicPr>
-          <p:cNvPr id="5" name="Picture 4">
-            <a:extLst>
-              <a:ext uri="{FF2B5EF4-FFF2-40B4-BE49-F238E27FC236}">
-                <a16:creationId xmlns:a16="http://schemas.microsoft.com/office/drawing/2014/main" id="{2B160136-278D-4798-983B-1F6D496BE5EF}"/>
-              </a:ext>
-            </a:extLst>
-          </p:cNvPr>
-          <p:cNvPicPr>
-            <a:picLocks noChangeAspect="1"/>
-          </p:cNvPicPr>
-          <p:nvPr/>
-        </p:nvPicPr>
-        <p:blipFill>
-          <a:blip r:embed="rId3"/>
-          <a:stretch>
-            <a:fillRect/>
-          </a:stretch>
-        </p:blipFill>
-        <p:spPr>
-          <a:xfrm>
-            <a:off x="906337" y="1124712"/>
-            <a:ext cx="2720834" cy="4978988"/>
-          </a:xfrm>
-          <a:prstGeom prst="rect">
-            <a:avLst/>
-          </a:prstGeom>
-        </p:spPr>
-      </p:pic>
       <p:sp>
         <p:nvSpPr>
           <p:cNvPr id="6" name="Speech Bubble: Rectangle 5">
@@ -21953,7 +21953,7 @@
         </p:nvSpPr>
         <p:spPr bwMode="gray">
           <a:xfrm>
-            <a:off x="3814723" y="3486190"/>
+            <a:off x="3558691" y="2920579"/>
             <a:ext cx="3067662" cy="829778"/>
           </a:xfrm>
           <a:prstGeom prst="wedgeRectCallout">

--- a/kubernetes/08_ingress.pptx
+++ b/kubernetes/08_ingress.pptx
@@ -21771,10 +21771,10 @@
       </p:grpSpPr>
       <p:pic>
         <p:nvPicPr>
-          <p:cNvPr id="10" name="Picture 9">
+          <p:cNvPr id="4" name="Picture 3">
             <a:extLst>
               <a:ext uri="{FF2B5EF4-FFF2-40B4-BE49-F238E27FC236}">
-                <a16:creationId xmlns:a16="http://schemas.microsoft.com/office/drawing/2014/main" id="{5F486A8E-D3C4-4635-872A-36BC6C98C89F}"/>
+                <a16:creationId xmlns:a16="http://schemas.microsoft.com/office/drawing/2014/main" id="{740D6E99-7AC9-4C40-8617-775F9E36E743}"/>
               </a:ext>
             </a:extLst>
           </p:cNvPr>
@@ -21791,7 +21791,7 @@
         </p:blipFill>
         <p:spPr>
           <a:xfrm>
-            <a:off x="8157670" y="2202547"/>
+            <a:off x="8047942" y="2233809"/>
             <a:ext cx="3352381" cy="2504762"/>
           </a:xfrm>
           <a:prstGeom prst="rect">

--- a/kubernetes/08_ingress.pptx
+++ b/kubernetes/08_ingress.pptx
@@ -17315,6 +17315,66 @@
         </p:blipFill>
         <p:spPr/>
       </p:pic>
+      <p:pic>
+        <p:nvPicPr>
+          <p:cNvPr id="4" name="Picture 3" descr="cid:image003.png@01D31CC6.A08B1C50">
+            <a:extLst>
+              <a:ext uri="{FF2B5EF4-FFF2-40B4-BE49-F238E27FC236}">
+                <a16:creationId xmlns:a16="http://schemas.microsoft.com/office/drawing/2014/main" id="{CE860390-F50F-48A8-AA1A-AE0217946FC1}"/>
+              </a:ext>
+            </a:extLst>
+          </p:cNvPr>
+          <p:cNvPicPr>
+            <a:picLocks noChangeAspect="1" noChangeArrowheads="1"/>
+          </p:cNvPicPr>
+          <p:nvPr/>
+        </p:nvPicPr>
+        <p:blipFill>
+          <a:blip r:embed="rId4">
+            <a:extLst>
+              <a:ext uri="{28A0092B-C50C-407E-A947-70E740481C1C}">
+                <a14:useLocalDpi xmlns:a14="http://schemas.microsoft.com/office/drawing/2010/main" val="0"/>
+              </a:ext>
+            </a:extLst>
+          </a:blip>
+          <a:srcRect/>
+          <a:stretch>
+            <a:fillRect/>
+          </a:stretch>
+        </p:blipFill>
+        <p:spPr bwMode="auto">
+          <a:xfrm>
+            <a:off x="10780713" y="5721975"/>
+            <a:ext cx="1414463" cy="1136025"/>
+          </a:xfrm>
+          <a:prstGeom prst="rect">
+            <a:avLst/>
+          </a:prstGeom>
+          <a:noFill/>
+          <a:ln>
+            <a:noFill/>
+          </a:ln>
+          <a:extLst>
+            <a:ext uri="{909E8E84-426E-40DD-AFC4-6F175D3DCCD1}">
+              <a14:hiddenFill xmlns:a14="http://schemas.microsoft.com/office/drawing/2010/main">
+                <a:solidFill>
+                  <a:srgbClr val="FFFFFF"/>
+                </a:solidFill>
+              </a14:hiddenFill>
+            </a:ext>
+            <a:ext uri="{91240B29-F687-4F45-9708-019B960494DF}">
+              <a14:hiddenLine xmlns:a14="http://schemas.microsoft.com/office/drawing/2010/main" w="9525">
+                <a:solidFill>
+                  <a:srgbClr val="000000"/>
+                </a:solidFill>
+                <a:miter lim="800000"/>
+                <a:headEnd/>
+                <a:tailEnd/>
+              </a14:hiddenLine>
+            </a:ext>
+          </a:extLst>
+        </p:spPr>
+      </p:pic>
     </p:spTree>
     <p:extLst>
       <p:ext uri="{BB962C8B-B14F-4D97-AF65-F5344CB8AC3E}">
